--- a/MJsec_게임 개발 멘토링/MJsec_2주차.pptx
+++ b/MJsec_게임 개발 멘토링/MJsec_2주차.pptx
@@ -5,7 +5,7 @@
     <p:sldMasterId id="2147483733" r:id="rId1"/>
   </p:sldMasterIdLst>
   <p:notesMasterIdLst>
-    <p:notesMasterId r:id="rId18"/>
+    <p:notesMasterId r:id="rId22"/>
   </p:notesMasterIdLst>
   <p:sldIdLst>
     <p:sldId id="256" r:id="rId2"/>
@@ -22,8 +22,12 @@
     <p:sldId id="270" r:id="rId13"/>
     <p:sldId id="266" r:id="rId14"/>
     <p:sldId id="268" r:id="rId15"/>
-    <p:sldId id="271" r:id="rId16"/>
-    <p:sldId id="272" r:id="rId17"/>
+    <p:sldId id="274" r:id="rId16"/>
+    <p:sldId id="275" r:id="rId17"/>
+    <p:sldId id="276" r:id="rId18"/>
+    <p:sldId id="273" r:id="rId19"/>
+    <p:sldId id="271" r:id="rId20"/>
+    <p:sldId id="272" r:id="rId21"/>
   </p:sldIdLst>
   <p:sldSz cx="12192000" cy="6858000"/>
   <p:notesSz cx="6858000" cy="9144000"/>
@@ -130,6 +134,294 @@
 </p:presentation>
 </file>
 
+<file path=ppt/revisionInfo.xml><?xml version="1.0" encoding="utf-8"?>
+<p1510:revInfo xmlns:a="http://schemas.openxmlformats.org/drawingml/2006/main" xmlns:r="http://schemas.openxmlformats.org/officeDocument/2006/relationships" xmlns:p1510="http://schemas.microsoft.com/office/powerpoint/2015/10/main">
+  <p1510:revLst>
+    <p1510:client id="{AC15FC76-212C-4CCB-ABE5-893A4988C38A}" v="12" dt="2025-06-30T04:17:00.980"/>
+  </p1510:revLst>
+</p1510:revInfo>
+</file>
+
+<file path=ppt/changesInfos/changesInfo1.xml><?xml version="1.0" encoding="utf-8"?>
+<pc:chgInfo xmlns:a="http://schemas.openxmlformats.org/drawingml/2006/main" xmlns:r="http://schemas.openxmlformats.org/officeDocument/2006/relationships" xmlns:ac="http://schemas.microsoft.com/office/drawing/2013/main/command" xmlns:pc="http://schemas.microsoft.com/office/powerpoint/2013/main/command">
+  <pc:docChgLst>
+    <pc:chgData name="상진 전" userId="b279be015be064a7" providerId="LiveId" clId="{AC15FC76-212C-4CCB-ABE5-893A4988C38A}"/>
+    <pc:docChg chg="undo custSel addSld modSld sldOrd">
+      <pc:chgData name="상진 전" userId="b279be015be064a7" providerId="LiveId" clId="{AC15FC76-212C-4CCB-ABE5-893A4988C38A}" dt="2025-06-30T04:21:04.738" v="1785" actId="20577"/>
+      <pc:docMkLst>
+        <pc:docMk/>
+      </pc:docMkLst>
+      <pc:sldChg chg="modSp mod">
+        <pc:chgData name="상진 전" userId="b279be015be064a7" providerId="LiveId" clId="{AC15FC76-212C-4CCB-ABE5-893A4988C38A}" dt="2025-06-30T03:28:34.381" v="1" actId="20577"/>
+        <pc:sldMkLst>
+          <pc:docMk/>
+          <pc:sldMk cId="1580400359" sldId="256"/>
+        </pc:sldMkLst>
+        <pc:spChg chg="mod">
+          <ac:chgData name="상진 전" userId="b279be015be064a7" providerId="LiveId" clId="{AC15FC76-212C-4CCB-ABE5-893A4988C38A}" dt="2025-06-30T03:28:34.381" v="1" actId="20577"/>
+          <ac:spMkLst>
+            <pc:docMk/>
+            <pc:sldMk cId="1580400359" sldId="256"/>
+            <ac:spMk id="4" creationId="{9386B9C3-7DCE-56DF-B15A-9FC4BAA8EA59}"/>
+          </ac:spMkLst>
+        </pc:spChg>
+      </pc:sldChg>
+      <pc:sldChg chg="modSp mod">
+        <pc:chgData name="상진 전" userId="b279be015be064a7" providerId="LiveId" clId="{AC15FC76-212C-4CCB-ABE5-893A4988C38A}" dt="2025-06-30T04:21:04.738" v="1785" actId="20577"/>
+        <pc:sldMkLst>
+          <pc:docMk/>
+          <pc:sldMk cId="220861980" sldId="272"/>
+        </pc:sldMkLst>
+        <pc:spChg chg="mod">
+          <ac:chgData name="상진 전" userId="b279be015be064a7" providerId="LiveId" clId="{AC15FC76-212C-4CCB-ABE5-893A4988C38A}" dt="2025-06-30T04:21:04.738" v="1785" actId="20577"/>
+          <ac:spMkLst>
+            <pc:docMk/>
+            <pc:sldMk cId="220861980" sldId="272"/>
+            <ac:spMk id="8" creationId="{43232636-AF47-9983-B2C2-994C31E29803}"/>
+          </ac:spMkLst>
+        </pc:spChg>
+      </pc:sldChg>
+      <pc:sldChg chg="addSp delSp modSp new mod">
+        <pc:chgData name="상진 전" userId="b279be015be064a7" providerId="LiveId" clId="{AC15FC76-212C-4CCB-ABE5-893A4988C38A}" dt="2025-06-30T03:42:06.211" v="458" actId="113"/>
+        <pc:sldMkLst>
+          <pc:docMk/>
+          <pc:sldMk cId="3634734503" sldId="273"/>
+        </pc:sldMkLst>
+        <pc:spChg chg="del">
+          <ac:chgData name="상진 전" userId="b279be015be064a7" providerId="LiveId" clId="{AC15FC76-212C-4CCB-ABE5-893A4988C38A}" dt="2025-06-30T03:36:01.604" v="3" actId="478"/>
+          <ac:spMkLst>
+            <pc:docMk/>
+            <pc:sldMk cId="3634734503" sldId="273"/>
+            <ac:spMk id="2" creationId="{ACAB2013-ED42-1B47-D7FE-D1E2751EF941}"/>
+          </ac:spMkLst>
+        </pc:spChg>
+        <pc:spChg chg="del">
+          <ac:chgData name="상진 전" userId="b279be015be064a7" providerId="LiveId" clId="{AC15FC76-212C-4CCB-ABE5-893A4988C38A}" dt="2025-06-30T03:36:01.604" v="3" actId="478"/>
+          <ac:spMkLst>
+            <pc:docMk/>
+            <pc:sldMk cId="3634734503" sldId="273"/>
+            <ac:spMk id="3" creationId="{1CCBE461-C6DA-9370-BE9B-5680336A31E3}"/>
+          </ac:spMkLst>
+        </pc:spChg>
+        <pc:spChg chg="add mod">
+          <ac:chgData name="상진 전" userId="b279be015be064a7" providerId="LiveId" clId="{AC15FC76-212C-4CCB-ABE5-893A4988C38A}" dt="2025-06-30T03:36:22.552" v="27" actId="113"/>
+          <ac:spMkLst>
+            <pc:docMk/>
+            <pc:sldMk cId="3634734503" sldId="273"/>
+            <ac:spMk id="4" creationId="{8B30BC6C-DEF8-965C-ACDC-6069B50DA080}"/>
+          </ac:spMkLst>
+        </pc:spChg>
+        <pc:spChg chg="add mod">
+          <ac:chgData name="상진 전" userId="b279be015be064a7" providerId="LiveId" clId="{AC15FC76-212C-4CCB-ABE5-893A4988C38A}" dt="2025-06-30T03:37:02.119" v="37" actId="14100"/>
+          <ac:spMkLst>
+            <pc:docMk/>
+            <pc:sldMk cId="3634734503" sldId="273"/>
+            <ac:spMk id="7" creationId="{F0100103-290F-B9F0-B565-C2A4791277BD}"/>
+          </ac:spMkLst>
+        </pc:spChg>
+        <pc:spChg chg="add mod">
+          <ac:chgData name="상진 전" userId="b279be015be064a7" providerId="LiveId" clId="{AC15FC76-212C-4CCB-ABE5-893A4988C38A}" dt="2025-06-30T03:37:09.940" v="40" actId="14100"/>
+          <ac:spMkLst>
+            <pc:docMk/>
+            <pc:sldMk cId="3634734503" sldId="273"/>
+            <ac:spMk id="8" creationId="{8394190C-433D-BEA2-5D7E-0AB6ECAF352E}"/>
+          </ac:spMkLst>
+        </pc:spChg>
+        <pc:spChg chg="add mod">
+          <ac:chgData name="상진 전" userId="b279be015be064a7" providerId="LiveId" clId="{AC15FC76-212C-4CCB-ABE5-893A4988C38A}" dt="2025-06-30T03:42:06.211" v="458" actId="113"/>
+          <ac:spMkLst>
+            <pc:docMk/>
+            <pc:sldMk cId="3634734503" sldId="273"/>
+            <ac:spMk id="12" creationId="{AE44ED5D-BA7A-7B05-4A68-B51F20466B37}"/>
+          </ac:spMkLst>
+        </pc:spChg>
+        <pc:picChg chg="add mod">
+          <ac:chgData name="상진 전" userId="b279be015be064a7" providerId="LiveId" clId="{AC15FC76-212C-4CCB-ABE5-893A4988C38A}" dt="2025-06-30T03:36:56.006" v="35" actId="1076"/>
+          <ac:picMkLst>
+            <pc:docMk/>
+            <pc:sldMk cId="3634734503" sldId="273"/>
+            <ac:picMk id="6" creationId="{D0590257-5F3D-C4E7-93EF-CC38E83E3932}"/>
+          </ac:picMkLst>
+        </pc:picChg>
+        <pc:cxnChg chg="add mod">
+          <ac:chgData name="상진 전" userId="b279be015be064a7" providerId="LiveId" clId="{AC15FC76-212C-4CCB-ABE5-893A4988C38A}" dt="2025-06-30T03:37:20.155" v="43" actId="14100"/>
+          <ac:cxnSpMkLst>
+            <pc:docMk/>
+            <pc:sldMk cId="3634734503" sldId="273"/>
+            <ac:cxnSpMk id="9" creationId="{19664696-6CCB-22AE-5C55-4C26F328255E}"/>
+          </ac:cxnSpMkLst>
+        </pc:cxnChg>
+      </pc:sldChg>
+      <pc:sldChg chg="addSp delSp modSp new mod ord">
+        <pc:chgData name="상진 전" userId="b279be015be064a7" providerId="LiveId" clId="{AC15FC76-212C-4CCB-ABE5-893A4988C38A}" dt="2025-06-30T04:11:15.956" v="804" actId="22"/>
+        <pc:sldMkLst>
+          <pc:docMk/>
+          <pc:sldMk cId="3922072956" sldId="274"/>
+        </pc:sldMkLst>
+        <pc:spChg chg="del">
+          <ac:chgData name="상진 전" userId="b279be015be064a7" providerId="LiveId" clId="{AC15FC76-212C-4CCB-ABE5-893A4988C38A}" dt="2025-06-30T03:45:57.995" v="460" actId="478"/>
+          <ac:spMkLst>
+            <pc:docMk/>
+            <pc:sldMk cId="3922072956" sldId="274"/>
+            <ac:spMk id="2" creationId="{8B441330-F4C5-DD95-B6CA-F7626C34613D}"/>
+          </ac:spMkLst>
+        </pc:spChg>
+        <pc:spChg chg="del">
+          <ac:chgData name="상진 전" userId="b279be015be064a7" providerId="LiveId" clId="{AC15FC76-212C-4CCB-ABE5-893A4988C38A}" dt="2025-06-30T03:45:57.995" v="460" actId="478"/>
+          <ac:spMkLst>
+            <pc:docMk/>
+            <pc:sldMk cId="3922072956" sldId="274"/>
+            <ac:spMk id="3" creationId="{D2100163-14DD-5BA2-B389-975064697BC5}"/>
+          </ac:spMkLst>
+        </pc:spChg>
+        <pc:spChg chg="add mod">
+          <ac:chgData name="상진 전" userId="b279be015be064a7" providerId="LiveId" clId="{AC15FC76-212C-4CCB-ABE5-893A4988C38A}" dt="2025-06-30T03:47:24.930" v="507" actId="113"/>
+          <ac:spMkLst>
+            <pc:docMk/>
+            <pc:sldMk cId="3922072956" sldId="274"/>
+            <ac:spMk id="4" creationId="{6C35514A-5943-AE8A-5C6D-87A7CEB22955}"/>
+          </ac:spMkLst>
+        </pc:spChg>
+        <pc:spChg chg="add del mod">
+          <ac:chgData name="상진 전" userId="b279be015be064a7" providerId="LiveId" clId="{AC15FC76-212C-4CCB-ABE5-893A4988C38A}" dt="2025-06-30T03:56:43.085" v="510"/>
+          <ac:spMkLst>
+            <pc:docMk/>
+            <pc:sldMk cId="3922072956" sldId="274"/>
+            <ac:spMk id="5" creationId="{3AB8E365-6A72-3602-AB4F-C4DE4697FE38}"/>
+          </ac:spMkLst>
+        </pc:spChg>
+        <pc:spChg chg="add mod">
+          <ac:chgData name="상진 전" userId="b279be015be064a7" providerId="LiveId" clId="{AC15FC76-212C-4CCB-ABE5-893A4988C38A}" dt="2025-06-30T04:03:56.576" v="802" actId="1076"/>
+          <ac:spMkLst>
+            <pc:docMk/>
+            <pc:sldMk cId="3922072956" sldId="274"/>
+            <ac:spMk id="10" creationId="{9C7FFD75-21A9-D8C6-37B3-B5ED55EBE253}"/>
+          </ac:spMkLst>
+        </pc:spChg>
+        <pc:spChg chg="add del">
+          <ac:chgData name="상진 전" userId="b279be015be064a7" providerId="LiveId" clId="{AC15FC76-212C-4CCB-ABE5-893A4988C38A}" dt="2025-06-30T04:11:15.956" v="804" actId="22"/>
+          <ac:spMkLst>
+            <pc:docMk/>
+            <pc:sldMk cId="3922072956" sldId="274"/>
+            <ac:spMk id="12" creationId="{7E343285-C858-A33C-2B05-93B8EE8725D9}"/>
+          </ac:spMkLst>
+        </pc:spChg>
+        <pc:picChg chg="add mod">
+          <ac:chgData name="상진 전" userId="b279be015be064a7" providerId="LiveId" clId="{AC15FC76-212C-4CCB-ABE5-893A4988C38A}" dt="2025-06-30T03:59:10.931" v="516" actId="1076"/>
+          <ac:picMkLst>
+            <pc:docMk/>
+            <pc:sldMk cId="3922072956" sldId="274"/>
+            <ac:picMk id="7" creationId="{34A8BEF3-EBCE-DA38-7D83-884F95903272}"/>
+          </ac:picMkLst>
+        </pc:picChg>
+        <pc:picChg chg="add mod">
+          <ac:chgData name="상진 전" userId="b279be015be064a7" providerId="LiveId" clId="{AC15FC76-212C-4CCB-ABE5-893A4988C38A}" dt="2025-06-30T03:59:08.616" v="515" actId="1076"/>
+          <ac:picMkLst>
+            <pc:docMk/>
+            <pc:sldMk cId="3922072956" sldId="274"/>
+            <ac:picMk id="9" creationId="{9B9DF8B3-8BB8-9F2D-A31E-DFD6E3B51CDB}"/>
+          </ac:picMkLst>
+        </pc:picChg>
+      </pc:sldChg>
+      <pc:sldChg chg="addSp delSp modSp add mod">
+        <pc:chgData name="상진 전" userId="b279be015be064a7" providerId="LiveId" clId="{AC15FC76-212C-4CCB-ABE5-893A4988C38A}" dt="2025-06-30T04:14:31.194" v="1089" actId="20577"/>
+        <pc:sldMkLst>
+          <pc:docMk/>
+          <pc:sldMk cId="2643776096" sldId="275"/>
+        </pc:sldMkLst>
+        <pc:spChg chg="mod">
+          <ac:chgData name="상진 전" userId="b279be015be064a7" providerId="LiveId" clId="{AC15FC76-212C-4CCB-ABE5-893A4988C38A}" dt="2025-06-30T04:14:31.194" v="1089" actId="20577"/>
+          <ac:spMkLst>
+            <pc:docMk/>
+            <pc:sldMk cId="2643776096" sldId="275"/>
+            <ac:spMk id="10" creationId="{103653AE-4C37-54CF-A09F-A1990245C47C}"/>
+          </ac:spMkLst>
+        </pc:spChg>
+        <pc:picChg chg="add mod">
+          <ac:chgData name="상진 전" userId="b279be015be064a7" providerId="LiveId" clId="{AC15FC76-212C-4CCB-ABE5-893A4988C38A}" dt="2025-06-30T04:11:49.737" v="812" actId="1076"/>
+          <ac:picMkLst>
+            <pc:docMk/>
+            <pc:sldMk cId="2643776096" sldId="275"/>
+            <ac:picMk id="3" creationId="{31F9B21E-0863-3938-5A57-45F13FF127F5}"/>
+          </ac:picMkLst>
+        </pc:picChg>
+        <pc:picChg chg="add mod">
+          <ac:chgData name="상진 전" userId="b279be015be064a7" providerId="LiveId" clId="{AC15FC76-212C-4CCB-ABE5-893A4988C38A}" dt="2025-06-30T04:11:48.117" v="811" actId="1076"/>
+          <ac:picMkLst>
+            <pc:docMk/>
+            <pc:sldMk cId="2643776096" sldId="275"/>
+            <ac:picMk id="6" creationId="{584410A9-34A5-41B6-0CDB-69957FC990D9}"/>
+          </ac:picMkLst>
+        </pc:picChg>
+        <pc:picChg chg="del">
+          <ac:chgData name="상진 전" userId="b279be015be064a7" providerId="LiveId" clId="{AC15FC76-212C-4CCB-ABE5-893A4988C38A}" dt="2025-06-30T04:11:38.920" v="809" actId="478"/>
+          <ac:picMkLst>
+            <pc:docMk/>
+            <pc:sldMk cId="2643776096" sldId="275"/>
+            <ac:picMk id="7" creationId="{C0F6F284-86DB-DA74-7926-73701927FB74}"/>
+          </ac:picMkLst>
+        </pc:picChg>
+        <pc:picChg chg="del">
+          <ac:chgData name="상진 전" userId="b279be015be064a7" providerId="LiveId" clId="{AC15FC76-212C-4CCB-ABE5-893A4988C38A}" dt="2025-06-30T04:11:34.706" v="806" actId="478"/>
+          <ac:picMkLst>
+            <pc:docMk/>
+            <pc:sldMk cId="2643776096" sldId="275"/>
+            <ac:picMk id="9" creationId="{BB9E44F6-5830-403C-BABD-CCC7B924783D}"/>
+          </ac:picMkLst>
+        </pc:picChg>
+      </pc:sldChg>
+      <pc:sldChg chg="addSp delSp modSp new mod">
+        <pc:chgData name="상진 전" userId="b279be015be064a7" providerId="LiveId" clId="{AC15FC76-212C-4CCB-ABE5-893A4988C38A}" dt="2025-06-30T04:17:44.285" v="1336" actId="14100"/>
+        <pc:sldMkLst>
+          <pc:docMk/>
+          <pc:sldMk cId="2447971409" sldId="276"/>
+        </pc:sldMkLst>
+        <pc:spChg chg="del">
+          <ac:chgData name="상진 전" userId="b279be015be064a7" providerId="LiveId" clId="{AC15FC76-212C-4CCB-ABE5-893A4988C38A}" dt="2025-06-30T04:14:36.148" v="1091" actId="478"/>
+          <ac:spMkLst>
+            <pc:docMk/>
+            <pc:sldMk cId="2447971409" sldId="276"/>
+            <ac:spMk id="2" creationId="{31EF9FF0-50E7-ED1F-5E17-2C4508FFBD26}"/>
+          </ac:spMkLst>
+        </pc:spChg>
+        <pc:spChg chg="del">
+          <ac:chgData name="상진 전" userId="b279be015be064a7" providerId="LiveId" clId="{AC15FC76-212C-4CCB-ABE5-893A4988C38A}" dt="2025-06-30T04:14:36.148" v="1091" actId="478"/>
+          <ac:spMkLst>
+            <pc:docMk/>
+            <pc:sldMk cId="2447971409" sldId="276"/>
+            <ac:spMk id="3" creationId="{6DB3D9C3-862C-EFB6-20DF-95490C64E927}"/>
+          </ac:spMkLst>
+        </pc:spChg>
+        <pc:spChg chg="add mod">
+          <ac:chgData name="상진 전" userId="b279be015be064a7" providerId="LiveId" clId="{AC15FC76-212C-4CCB-ABE5-893A4988C38A}" dt="2025-06-30T04:14:48.490" v="1121" actId="20577"/>
+          <ac:spMkLst>
+            <pc:docMk/>
+            <pc:sldMk cId="2447971409" sldId="276"/>
+            <ac:spMk id="4" creationId="{3E8D7E03-463A-E580-1D29-3E820DDD7662}"/>
+          </ac:spMkLst>
+        </pc:spChg>
+        <pc:spChg chg="add mod">
+          <ac:chgData name="상진 전" userId="b279be015be064a7" providerId="LiveId" clId="{AC15FC76-212C-4CCB-ABE5-893A4988C38A}" dt="2025-06-30T04:17:44.285" v="1336" actId="14100"/>
+          <ac:spMkLst>
+            <pc:docMk/>
+            <pc:sldMk cId="2447971409" sldId="276"/>
+            <ac:spMk id="8" creationId="{6668C9DA-3672-5903-D719-79EA3A9D3A8B}"/>
+          </ac:spMkLst>
+        </pc:spChg>
+        <pc:picChg chg="add mod">
+          <ac:chgData name="상진 전" userId="b279be015be064a7" providerId="LiveId" clId="{AC15FC76-212C-4CCB-ABE5-893A4988C38A}" dt="2025-06-30T04:14:56.033" v="1123" actId="1076"/>
+          <ac:picMkLst>
+            <pc:docMk/>
+            <pc:sldMk cId="2447971409" sldId="276"/>
+            <ac:picMk id="6" creationId="{9B32C1D5-30AC-EEB6-707B-B52576E009A8}"/>
+          </ac:picMkLst>
+        </pc:picChg>
+      </pc:sldChg>
+    </pc:docChg>
+  </pc:docChgLst>
+</pc:chgInfo>
+</file>
+
 <file path=ppt/notesMasters/notesMaster1.xml><?xml version="1.0" encoding="utf-8"?>
 <p:notesMaster xmlns:a="http://schemas.openxmlformats.org/drawingml/2006/main" xmlns:r="http://schemas.openxmlformats.org/officeDocument/2006/relationships" xmlns:p="http://schemas.openxmlformats.org/presentationml/2006/main">
   <p:cSld>
@@ -212,7 +504,7 @@
           <a:p>
             <a:fld id="{D804399D-B086-48D5-B7C1-FF669C1BCD69}" type="datetimeFigureOut">
               <a:rPr lang="ko-KR" altLang="en-US" smtClean="0"/>
-              <a:t>2025-06-20</a:t>
+              <a:t>2025-06-30</a:t>
             </a:fld>
             <a:endParaRPr lang="ko-KR" altLang="en-US"/>
           </a:p>
@@ -853,7 +1145,7 @@
           <a:p>
             <a:fld id="{6444479B-705B-4489-957E-7E8A228BDFA0}" type="datetime1">
               <a:rPr lang="en-US" smtClean="0"/>
-              <a:t>6/20/2025</a:t>
+              <a:t>6/30/2025</a:t>
             </a:fld>
             <a:endParaRPr lang="en-US"/>
           </a:p>
@@ -1053,7 +1345,7 @@
           <a:p>
             <a:fld id="{C07B66AD-7C08-490A-ADA4-B47E10FB2407}" type="datetime1">
               <a:rPr lang="en-US" smtClean="0"/>
-              <a:t>6/20/2025</a:t>
+              <a:t>6/30/2025</a:t>
             </a:fld>
             <a:endParaRPr lang="en-US"/>
           </a:p>
@@ -1312,7 +1604,7 @@
           <a:p>
             <a:fld id="{05B95027-4255-49E7-9841-CD21BCC99996}" type="datetime1">
               <a:rPr lang="en-US" smtClean="0"/>
-              <a:t>6/20/2025</a:t>
+              <a:t>6/30/2025</a:t>
             </a:fld>
             <a:endParaRPr lang="en-US"/>
           </a:p>
@@ -1553,7 +1845,7 @@
           <a:p>
             <a:fld id="{9F89F774-3FA6-43B8-9241-99959C8FD463}" type="datetime1">
               <a:rPr lang="en-US" smtClean="0"/>
-              <a:t>6/20/2025</a:t>
+              <a:t>6/30/2025</a:t>
             </a:fld>
             <a:endParaRPr lang="en-US"/>
           </a:p>
@@ -1880,7 +2172,7 @@
           <a:p>
             <a:fld id="{F9504452-5DCC-4FE2-A5C9-8A5EF6714D65}" type="datetime1">
               <a:rPr lang="en-US" smtClean="0"/>
-              <a:t>6/20/2025</a:t>
+              <a:t>6/30/2025</a:t>
             </a:fld>
             <a:endParaRPr lang="en-US"/>
           </a:p>
@@ -2190,7 +2482,7 @@
           <a:p>
             <a:fld id="{E579ABC2-0180-4F3A-A895-A85BC724D472}" type="datetime1">
               <a:rPr lang="en-US" smtClean="0"/>
-              <a:t>6/20/2025</a:t>
+              <a:t>6/30/2025</a:t>
             </a:fld>
             <a:endParaRPr lang="en-US"/>
           </a:p>
@@ -2608,7 +2900,7 @@
           <a:p>
             <a:fld id="{6AEEA9BA-4E8F-439E-BEA4-91FBA01E3F5F}" type="datetime1">
               <a:rPr lang="en-US" smtClean="0"/>
-              <a:t>6/20/2025</a:t>
+              <a:t>6/30/2025</a:t>
             </a:fld>
             <a:endParaRPr lang="en-US"/>
           </a:p>
@@ -2750,7 +3042,7 @@
           <a:p>
             <a:fld id="{BE15BF18-0007-481C-AA29-413124BC3EE7}" type="datetime1">
               <a:rPr lang="en-US" smtClean="0"/>
-              <a:t>6/20/2025</a:t>
+              <a:t>6/30/2025</a:t>
             </a:fld>
             <a:endParaRPr lang="en-US"/>
           </a:p>
@@ -2912,7 +3204,7 @@
           <a:p>
             <a:fld id="{09BE9870-3748-43AD-B547-02A075CB4A1D}" type="datetime1">
               <a:rPr lang="en-US" smtClean="0"/>
-              <a:t>6/20/2025</a:t>
+              <a:t>6/30/2025</a:t>
             </a:fld>
             <a:endParaRPr lang="en-US"/>
           </a:p>
@@ -3229,7 +3521,7 @@
           <a:p>
             <a:fld id="{558E7897-33C5-4F1A-9307-D068E37F3DC7}" type="datetime1">
               <a:rPr lang="en-US" smtClean="0"/>
-              <a:t>6/20/2025</a:t>
+              <a:t>6/30/2025</a:t>
             </a:fld>
             <a:endParaRPr lang="en-US"/>
           </a:p>
@@ -3524,7 +3816,7 @@
           <a:p>
             <a:fld id="{82E171BA-CC09-47C8-A6DF-F5C5CB59CEEC}" type="datetime1">
               <a:rPr lang="en-US" smtClean="0"/>
-              <a:t>6/20/2025</a:t>
+              <a:t>6/30/2025</a:t>
             </a:fld>
             <a:endParaRPr lang="en-US"/>
           </a:p>
@@ -3761,7 +4053,7 @@
           <a:p>
             <a:fld id="{7DA38F49-B3E2-4BF0-BEC7-C30D34ABBB8D}" type="datetime1">
               <a:rPr lang="en-US" smtClean="0"/>
-              <a:t>6/20/2025</a:t>
+              <a:t>6/30/2025</a:t>
             </a:fld>
             <a:endParaRPr lang="en-US"/>
           </a:p>
@@ -4497,7 +4789,7 @@
               </a:spcAft>
             </a:pPr>
             <a:r>
-              <a:rPr lang="en-US" altLang="ko-KR" sz="5400" b="1" cap="all" spc="30" dirty="0">
+              <a:rPr lang="en-US" altLang="ko-KR" sz="5400" b="1" kern="1200" cap="all" spc="30" dirty="0">
                 <a:solidFill>
                   <a:srgbClr val="FFFFFF"/>
                 </a:solidFill>
@@ -4505,7 +4797,7 @@
                 <a:ea typeface="+mj-ea"/>
                 <a:cs typeface="+mj-cs"/>
               </a:rPr>
-              <a:t>1</a:t>
+              <a:t>2</a:t>
             </a:r>
             <a:r>
               <a:rPr lang="ko-KR" altLang="en-US" sz="5400" b="1" kern="1200" cap="all" spc="30" dirty="0">
@@ -7265,7 +7557,7 @@
           <p:cNvPr id="4" name="TextBox 3">
             <a:extLst>
               <a:ext uri="{FF2B5EF4-FFF2-40B4-BE49-F238E27FC236}">
-                <a16:creationId xmlns:a16="http://schemas.microsoft.com/office/drawing/2014/main" id="{F5B31EB2-990C-D8D0-899E-4CF7D9685095}"/>
+                <a16:creationId xmlns:a16="http://schemas.microsoft.com/office/drawing/2014/main" id="{6C35514A-5943-AE8A-5C6D-87A7CEB22955}"/>
               </a:ext>
             </a:extLst>
           </p:cNvPr>
@@ -7274,8 +7566,8 @@
         </p:nvSpPr>
         <p:spPr>
           <a:xfrm>
-            <a:off x="729672" y="627951"/>
-            <a:ext cx="1717964" cy="369332"/>
+            <a:off x="504825" y="590550"/>
+            <a:ext cx="2971800" cy="369332"/>
           </a:xfrm>
           <a:prstGeom prst="rect">
             <a:avLst/>
@@ -7290,22 +7582,17 @@
           <a:p>
             <a:r>
               <a:rPr lang="ko-KR" altLang="en-US" b="1" dirty="0"/>
-              <a:t>실습 </a:t>
-            </a:r>
-            <a:r>
-              <a:rPr lang="en-US" altLang="ko-KR" b="1" dirty="0"/>
-              <a:t>1</a:t>
-            </a:r>
-            <a:endParaRPr lang="ko-KR" altLang="en-US" b="1" dirty="0"/>
+              <a:t>시간 관련 함수</a:t>
+            </a:r>
           </a:p>
         </p:txBody>
       </p:sp>
       <p:pic>
         <p:nvPicPr>
-          <p:cNvPr id="6" name="그림 5">
-            <a:extLst>
-              <a:ext uri="{FF2B5EF4-FFF2-40B4-BE49-F238E27FC236}">
-                <a16:creationId xmlns:a16="http://schemas.microsoft.com/office/drawing/2014/main" id="{D3F613D3-E4CC-B411-4BCB-0943C926EA76}"/>
+          <p:cNvPr id="7" name="그림 6">
+            <a:extLst>
+              <a:ext uri="{FF2B5EF4-FFF2-40B4-BE49-F238E27FC236}">
+                <a16:creationId xmlns:a16="http://schemas.microsoft.com/office/drawing/2014/main" id="{34A8BEF3-EBCE-DA38-7D83-884F95903272}"/>
               </a:ext>
             </a:extLst>
           </p:cNvPr>
@@ -7322,20 +7609,50 @@
         </p:blipFill>
         <p:spPr>
           <a:xfrm>
-            <a:off x="189775" y="1151017"/>
-            <a:ext cx="6442032" cy="5148235"/>
+            <a:off x="504825" y="2297667"/>
+            <a:ext cx="3238952" cy="1352739"/>
           </a:xfrm>
           <a:prstGeom prst="rect">
             <a:avLst/>
           </a:prstGeom>
         </p:spPr>
       </p:pic>
+      <p:pic>
+        <p:nvPicPr>
+          <p:cNvPr id="9" name="그림 8">
+            <a:extLst>
+              <a:ext uri="{FF2B5EF4-FFF2-40B4-BE49-F238E27FC236}">
+                <a16:creationId xmlns:a16="http://schemas.microsoft.com/office/drawing/2014/main" id="{9B9DF8B3-8BB8-9F2D-A31E-DFD6E3B51CDB}"/>
+              </a:ext>
+            </a:extLst>
+          </p:cNvPr>
+          <p:cNvPicPr>
+            <a:picLocks noChangeAspect="1"/>
+          </p:cNvPicPr>
+          <p:nvPr/>
+        </p:nvPicPr>
+        <p:blipFill>
+          <a:blip r:embed="rId3"/>
+          <a:stretch>
+            <a:fillRect/>
+          </a:stretch>
+        </p:blipFill>
+        <p:spPr>
+          <a:xfrm>
+            <a:off x="504825" y="1123879"/>
+            <a:ext cx="4334480" cy="1009791"/>
+          </a:xfrm>
+          <a:prstGeom prst="rect">
+            <a:avLst/>
+          </a:prstGeom>
+        </p:spPr>
+      </p:pic>
       <p:sp>
         <p:nvSpPr>
-          <p:cNvPr id="7" name="TextBox 6">
-            <a:extLst>
-              <a:ext uri="{FF2B5EF4-FFF2-40B4-BE49-F238E27FC236}">
-                <a16:creationId xmlns:a16="http://schemas.microsoft.com/office/drawing/2014/main" id="{DD551507-4550-DCE0-9056-666C9E3AFAD0}"/>
+          <p:cNvPr id="10" name="TextBox 9">
+            <a:extLst>
+              <a:ext uri="{FF2B5EF4-FFF2-40B4-BE49-F238E27FC236}">
+                <a16:creationId xmlns:a16="http://schemas.microsoft.com/office/drawing/2014/main" id="{9C7FFD75-21A9-D8C6-37B3-B5ED55EBE253}"/>
               </a:ext>
             </a:extLst>
           </p:cNvPr>
@@ -7344,8 +7661,8 @@
         </p:nvSpPr>
         <p:spPr>
           <a:xfrm>
-            <a:off x="6756935" y="1151017"/>
-            <a:ext cx="5120640" cy="923330"/>
+            <a:off x="504825" y="3852503"/>
+            <a:ext cx="8829675" cy="646331"/>
           </a:xfrm>
           <a:prstGeom prst="rect">
             <a:avLst/>
@@ -7359,72 +7676,68 @@
           <a:lstStyle/>
           <a:p>
             <a:r>
-              <a:rPr lang="en-US" altLang="ko-KR" b="1" dirty="0"/>
-              <a:t>4</a:t>
-            </a:r>
-            <a:r>
-              <a:rPr lang="ko-KR" altLang="en-US" b="1" dirty="0"/>
-              <a:t>방향으로 움직이면서 중력의 영향을 받지 않고</a:t>
-            </a:r>
-            <a:r>
-              <a:rPr lang="en-US" altLang="ko-KR" b="1" dirty="0"/>
-              <a:t>,</a:t>
-            </a:r>
-          </a:p>
-          <a:p>
-            <a:r>
-              <a:rPr lang="ko-KR" altLang="en-US" b="1" dirty="0"/>
-              <a:t>벽에 박으면 </a:t>
-            </a:r>
-            <a:r>
-              <a:rPr lang="en-US" altLang="ko-KR" b="1" dirty="0"/>
-              <a:t>“</a:t>
-            </a:r>
-            <a:r>
-              <a:rPr lang="ko-KR" altLang="en-US" b="1" dirty="0"/>
-              <a:t>벽 충돌</a:t>
-            </a:r>
-            <a:r>
-              <a:rPr lang="en-US" altLang="ko-KR" b="1" dirty="0"/>
-              <a:t>!!!!“</a:t>
-            </a:r>
-            <a:r>
-              <a:rPr lang="ko-KR" altLang="en-US" b="1" dirty="0"/>
-              <a:t>이라는 문구가 뜨도록 단</a:t>
-            </a:r>
-            <a:r>
-              <a:rPr lang="en-US" altLang="ko-KR" b="1" dirty="0"/>
-              <a:t>,</a:t>
-            </a:r>
-          </a:p>
-          <a:p>
-            <a:r>
-              <a:rPr lang="ko-KR" altLang="en-US" b="1" dirty="0"/>
-              <a:t>다른 오브젝트에 박으면 안 뜸</a:t>
-            </a:r>
-            <a:r>
-              <a:rPr lang="en-US" altLang="ko-KR" b="1" dirty="0"/>
-              <a:t>(Tag</a:t>
-            </a:r>
-            <a:r>
-              <a:rPr lang="ko-KR" altLang="en-US" b="1" dirty="0"/>
-              <a:t>를 이용</a:t>
-            </a:r>
-            <a:r>
-              <a:rPr lang="en-US" altLang="ko-KR" b="1" dirty="0"/>
-              <a:t>)</a:t>
-            </a:r>
-            <a:r>
-              <a:rPr lang="ko-KR" altLang="en-US" b="1" dirty="0"/>
-              <a:t> </a:t>
-            </a:r>
+              <a:rPr lang="ko-KR" altLang="en-US" dirty="0" err="1"/>
+              <a:t>코루틴</a:t>
+            </a:r>
+            <a:r>
+              <a:rPr lang="ko-KR" altLang="en-US" dirty="0"/>
+              <a:t> 함수</a:t>
+            </a:r>
+            <a:r>
+              <a:rPr lang="en-US" altLang="ko-KR" dirty="0"/>
+              <a:t>(</a:t>
+            </a:r>
+            <a:r>
+              <a:rPr lang="en-US" altLang="ko-KR" dirty="0" err="1"/>
+              <a:t>IEumerator</a:t>
+            </a:r>
+            <a:r>
+              <a:rPr lang="en-US" altLang="ko-KR" dirty="0"/>
+              <a:t>):  yield return</a:t>
+            </a:r>
+            <a:r>
+              <a:rPr lang="ko-KR" altLang="en-US" dirty="0"/>
+              <a:t>을 사용하여 일정 시간 동안 기다리는 기능을 </a:t>
+            </a:r>
+            <a:endParaRPr lang="en-US" altLang="ko-KR" dirty="0"/>
+          </a:p>
+          <a:p>
+            <a:r>
+              <a:rPr lang="ko-KR" altLang="en-US" dirty="0"/>
+              <a:t>제작할 수 있으며 </a:t>
+            </a:r>
+            <a:r>
+              <a:rPr lang="ko-KR" altLang="en-US" dirty="0" err="1"/>
+              <a:t>코루틴</a:t>
+            </a:r>
+            <a:r>
+              <a:rPr lang="ko-KR" altLang="en-US" dirty="0"/>
+              <a:t> 함수는 </a:t>
+            </a:r>
+            <a:r>
+              <a:rPr lang="en-US" altLang="ko-KR" dirty="0" err="1"/>
+              <a:t>StartCoroutine</a:t>
+            </a:r>
+            <a:r>
+              <a:rPr lang="en-US" altLang="ko-KR" dirty="0"/>
+              <a:t>()</a:t>
+            </a:r>
+            <a:r>
+              <a:rPr lang="ko-KR" altLang="en-US" dirty="0"/>
+              <a:t>에 넣어서 사용한다</a:t>
+            </a:r>
+            <a:r>
+              <a:rPr lang="en-US" altLang="ko-KR" dirty="0"/>
+              <a:t>. </a:t>
+            </a:r>
+            <a:endParaRPr lang="ko-KR" altLang="en-US" dirty="0"/>
           </a:p>
         </p:txBody>
       </p:sp>
     </p:spTree>
     <p:extLst>
       <p:ext uri="{BB962C8B-B14F-4D97-AF65-F5344CB8AC3E}">
-        <p14:creationId xmlns:p14="http://schemas.microsoft.com/office/powerpoint/2010/main" val="2534183585"/>
+        <p14:creationId xmlns:p14="http://schemas.microsoft.com/office/powerpoint/2010/main" val="3922072956"/>
       </p:ext>
     </p:extLst>
   </p:cSld>
@@ -7435,6 +7748,221 @@
 </file>
 
 <file path=ppt/slides/slide16.xml><?xml version="1.0" encoding="utf-8"?>
+<p:sld xmlns:a="http://schemas.openxmlformats.org/drawingml/2006/main" xmlns:r="http://schemas.openxmlformats.org/officeDocument/2006/relationships" xmlns:p="http://schemas.openxmlformats.org/presentationml/2006/main">
+  <p:cSld>
+    <p:spTree>
+      <p:nvGrpSpPr>
+        <p:cNvPr id="1" name="">
+          <a:extLst>
+            <a:ext uri="{FF2B5EF4-FFF2-40B4-BE49-F238E27FC236}">
+              <a16:creationId xmlns:a16="http://schemas.microsoft.com/office/drawing/2014/main" id="{316DA844-F1E0-66D3-6125-754DF5991C79}"/>
+            </a:ext>
+          </a:extLst>
+        </p:cNvPr>
+        <p:cNvGrpSpPr/>
+        <p:nvPr/>
+      </p:nvGrpSpPr>
+      <p:grpSpPr>
+        <a:xfrm>
+          <a:off x="0" y="0"/>
+          <a:ext cx="0" cy="0"/>
+          <a:chOff x="0" y="0"/>
+          <a:chExt cx="0" cy="0"/>
+        </a:xfrm>
+      </p:grpSpPr>
+      <p:sp>
+        <p:nvSpPr>
+          <p:cNvPr id="4" name="TextBox 3">
+            <a:extLst>
+              <a:ext uri="{FF2B5EF4-FFF2-40B4-BE49-F238E27FC236}">
+                <a16:creationId xmlns:a16="http://schemas.microsoft.com/office/drawing/2014/main" id="{08A729DB-3EA6-CB31-F419-26A845EE64E9}"/>
+              </a:ext>
+            </a:extLst>
+          </p:cNvPr>
+          <p:cNvSpPr txBox="1"/>
+          <p:nvPr/>
+        </p:nvSpPr>
+        <p:spPr>
+          <a:xfrm>
+            <a:off x="504825" y="590550"/>
+            <a:ext cx="2971800" cy="369332"/>
+          </a:xfrm>
+          <a:prstGeom prst="rect">
+            <a:avLst/>
+          </a:prstGeom>
+          <a:noFill/>
+        </p:spPr>
+        <p:txBody>
+          <a:bodyPr wrap="square" rtlCol="0">
+            <a:spAutoFit/>
+          </a:bodyPr>
+          <a:lstStyle/>
+          <a:p>
+            <a:r>
+              <a:rPr lang="ko-KR" altLang="en-US" b="1" dirty="0"/>
+              <a:t>시간 관련 함수</a:t>
+            </a:r>
+          </a:p>
+        </p:txBody>
+      </p:sp>
+      <p:sp>
+        <p:nvSpPr>
+          <p:cNvPr id="10" name="TextBox 9">
+            <a:extLst>
+              <a:ext uri="{FF2B5EF4-FFF2-40B4-BE49-F238E27FC236}">
+                <a16:creationId xmlns:a16="http://schemas.microsoft.com/office/drawing/2014/main" id="{103653AE-4C37-54CF-A09F-A1990245C47C}"/>
+              </a:ext>
+            </a:extLst>
+          </p:cNvPr>
+          <p:cNvSpPr txBox="1"/>
+          <p:nvPr/>
+        </p:nvSpPr>
+        <p:spPr>
+          <a:xfrm>
+            <a:off x="504825" y="3852503"/>
+            <a:ext cx="8829675" cy="646331"/>
+          </a:xfrm>
+          <a:prstGeom prst="rect">
+            <a:avLst/>
+          </a:prstGeom>
+          <a:noFill/>
+        </p:spPr>
+        <p:txBody>
+          <a:bodyPr wrap="square" rtlCol="0">
+            <a:spAutoFit/>
+          </a:bodyPr>
+          <a:lstStyle/>
+          <a:p>
+            <a:r>
+              <a:rPr lang="en-US" altLang="ko-KR" dirty="0"/>
+              <a:t>Invoke </a:t>
+            </a:r>
+            <a:r>
+              <a:rPr lang="ko-KR" altLang="en-US" dirty="0"/>
+              <a:t>함수</a:t>
+            </a:r>
+            <a:r>
+              <a:rPr lang="en-US" altLang="ko-KR" dirty="0"/>
+              <a:t>:  Invoke</a:t>
+            </a:r>
+            <a:r>
+              <a:rPr lang="ko-KR" altLang="en-US" dirty="0"/>
+              <a:t>만 사용할 경우 일정 시간 후에 해당 이름의 함수를 실행하는 것이고</a:t>
+            </a:r>
+            <a:r>
+              <a:rPr lang="en-US" altLang="ko-KR" dirty="0"/>
+              <a:t>, </a:t>
+            </a:r>
+            <a:r>
+              <a:rPr lang="en-US" altLang="ko-KR" dirty="0" err="1"/>
+              <a:t>InvokeRepeating</a:t>
+            </a:r>
+            <a:r>
+              <a:rPr lang="ko-KR" altLang="en-US" dirty="0"/>
+              <a:t>일 경우는 반복하는 것이다</a:t>
+            </a:r>
+            <a:r>
+              <a:rPr lang="en-US" altLang="ko-KR" dirty="0"/>
+              <a:t>.(2</a:t>
+            </a:r>
+            <a:r>
+              <a:rPr lang="ko-KR" altLang="en-US" dirty="0" err="1"/>
+              <a:t>초후에</a:t>
+            </a:r>
+            <a:r>
+              <a:rPr lang="ko-KR" altLang="en-US" dirty="0"/>
+              <a:t> 시작 </a:t>
+            </a:r>
+            <a:r>
+              <a:rPr lang="en-US" altLang="ko-KR" dirty="0"/>
+              <a:t>5</a:t>
+            </a:r>
+            <a:r>
+              <a:rPr lang="ko-KR" altLang="en-US" dirty="0"/>
+              <a:t>초마다 반복</a:t>
+            </a:r>
+            <a:r>
+              <a:rPr lang="en-US" altLang="ko-KR" dirty="0"/>
+              <a:t>)</a:t>
+            </a:r>
+            <a:endParaRPr lang="ko-KR" altLang="en-US" dirty="0"/>
+          </a:p>
+        </p:txBody>
+      </p:sp>
+      <p:pic>
+        <p:nvPicPr>
+          <p:cNvPr id="3" name="그림 2">
+            <a:extLst>
+              <a:ext uri="{FF2B5EF4-FFF2-40B4-BE49-F238E27FC236}">
+                <a16:creationId xmlns:a16="http://schemas.microsoft.com/office/drawing/2014/main" id="{31F9B21E-0863-3938-5A57-45F13FF127F5}"/>
+              </a:ext>
+            </a:extLst>
+          </p:cNvPr>
+          <p:cNvPicPr>
+            <a:picLocks noChangeAspect="1"/>
+          </p:cNvPicPr>
+          <p:nvPr/>
+        </p:nvPicPr>
+        <p:blipFill>
+          <a:blip r:embed="rId2"/>
+          <a:stretch>
+            <a:fillRect/>
+          </a:stretch>
+        </p:blipFill>
+        <p:spPr>
+          <a:xfrm>
+            <a:off x="504825" y="1325183"/>
+            <a:ext cx="3429479" cy="895475"/>
+          </a:xfrm>
+          <a:prstGeom prst="rect">
+            <a:avLst/>
+          </a:prstGeom>
+        </p:spPr>
+      </p:pic>
+      <p:pic>
+        <p:nvPicPr>
+          <p:cNvPr id="6" name="그림 5">
+            <a:extLst>
+              <a:ext uri="{FF2B5EF4-FFF2-40B4-BE49-F238E27FC236}">
+                <a16:creationId xmlns:a16="http://schemas.microsoft.com/office/drawing/2014/main" id="{584410A9-34A5-41B6-0CDB-69957FC990D9}"/>
+              </a:ext>
+            </a:extLst>
+          </p:cNvPr>
+          <p:cNvPicPr>
+            <a:picLocks noChangeAspect="1"/>
+          </p:cNvPicPr>
+          <p:nvPr/>
+        </p:nvPicPr>
+        <p:blipFill>
+          <a:blip r:embed="rId3"/>
+          <a:stretch>
+            <a:fillRect/>
+          </a:stretch>
+        </p:blipFill>
+        <p:spPr>
+          <a:xfrm>
+            <a:off x="504825" y="2585959"/>
+            <a:ext cx="4229690" cy="1114581"/>
+          </a:xfrm>
+          <a:prstGeom prst="rect">
+            <a:avLst/>
+          </a:prstGeom>
+        </p:spPr>
+      </p:pic>
+    </p:spTree>
+    <p:extLst>
+      <p:ext uri="{BB962C8B-B14F-4D97-AF65-F5344CB8AC3E}">
+        <p14:creationId xmlns:p14="http://schemas.microsoft.com/office/powerpoint/2010/main" val="2643776096"/>
+      </p:ext>
+    </p:extLst>
+  </p:cSld>
+  <p:clrMapOvr>
+    <a:masterClrMapping/>
+  </p:clrMapOvr>
+</p:sld>
+</file>
+
+<file path=ppt/slides/slide17.xml><?xml version="1.0" encoding="utf-8"?>
 <p:sld xmlns:a="http://schemas.openxmlformats.org/drawingml/2006/main" xmlns:r="http://schemas.openxmlformats.org/officeDocument/2006/relationships" xmlns:p="http://schemas.openxmlformats.org/presentationml/2006/main">
   <p:cSld>
     <p:spTree>
@@ -7456,7 +7984,7 @@
           <p:cNvPr id="4" name="TextBox 3">
             <a:extLst>
               <a:ext uri="{FF2B5EF4-FFF2-40B4-BE49-F238E27FC236}">
-                <a16:creationId xmlns:a16="http://schemas.microsoft.com/office/drawing/2014/main" id="{567F032C-3C6C-E9B3-ACE7-2EA1BB1209C5}"/>
+                <a16:creationId xmlns:a16="http://schemas.microsoft.com/office/drawing/2014/main" id="{3E8D7E03-463A-E580-1D29-3E820DDD7662}"/>
               </a:ext>
             </a:extLst>
           </p:cNvPr>
@@ -7465,8 +7993,8 @@
         </p:nvSpPr>
         <p:spPr>
           <a:xfrm>
-            <a:off x="741145" y="686965"/>
-            <a:ext cx="2271562" cy="369332"/>
+            <a:off x="504825" y="590550"/>
+            <a:ext cx="2971800" cy="369332"/>
           </a:xfrm>
           <a:prstGeom prst="rect">
             <a:avLst/>
@@ -7481,13 +8009,8 @@
           <a:p>
             <a:r>
               <a:rPr lang="ko-KR" altLang="en-US" b="1" dirty="0"/>
-              <a:t>실습 </a:t>
-            </a:r>
-            <a:r>
-              <a:rPr lang="en-US" altLang="ko-KR" b="1" dirty="0"/>
-              <a:t>2</a:t>
-            </a:r>
-            <a:endParaRPr lang="ko-KR" altLang="en-US" b="1" dirty="0"/>
+              <a:t>재사용 관련 함수</a:t>
+            </a:r>
           </a:p>
         </p:txBody>
       </p:sp>
@@ -7496,7 +8019,7 @@
           <p:cNvPr id="6" name="그림 5">
             <a:extLst>
               <a:ext uri="{FF2B5EF4-FFF2-40B4-BE49-F238E27FC236}">
-                <a16:creationId xmlns:a16="http://schemas.microsoft.com/office/drawing/2014/main" id="{B399BD7C-DDC1-3DEA-693D-86E6BE4C42FD}"/>
+                <a16:creationId xmlns:a16="http://schemas.microsoft.com/office/drawing/2014/main" id="{9B32C1D5-30AC-EEB6-707B-B52576E009A8}"/>
               </a:ext>
             </a:extLst>
           </p:cNvPr>
@@ -7513,8 +8036,8 @@
         </p:blipFill>
         <p:spPr>
           <a:xfrm>
-            <a:off x="207931" y="1296379"/>
-            <a:ext cx="6597130" cy="5369116"/>
+            <a:off x="409297" y="1114344"/>
+            <a:ext cx="3982006" cy="1162212"/>
           </a:xfrm>
           <a:prstGeom prst="rect">
             <a:avLst/>
@@ -7526,7 +8049,7 @@
           <p:cNvPr id="8" name="TextBox 7">
             <a:extLst>
               <a:ext uri="{FF2B5EF4-FFF2-40B4-BE49-F238E27FC236}">
-                <a16:creationId xmlns:a16="http://schemas.microsoft.com/office/drawing/2014/main" id="{43232636-AF47-9983-B2C2-994C31E29803}"/>
+                <a16:creationId xmlns:a16="http://schemas.microsoft.com/office/drawing/2014/main" id="{6668C9DA-3672-5903-D719-79EA3A9D3A8B}"/>
               </a:ext>
             </a:extLst>
           </p:cNvPr>
@@ -7535,8 +8058,8 @@
         </p:nvSpPr>
         <p:spPr>
           <a:xfrm>
-            <a:off x="6805061" y="1296379"/>
-            <a:ext cx="6097604" cy="1200329"/>
+            <a:off x="409296" y="2431018"/>
+            <a:ext cx="7953653" cy="646331"/>
           </a:xfrm>
           <a:prstGeom prst="rect">
             <a:avLst/>
@@ -7550,85 +8073,714 @@
           <a:lstStyle/>
           <a:p>
             <a:r>
-              <a:rPr lang="en-US" altLang="ko-KR" b="1" dirty="0"/>
-              <a:t>4</a:t>
-            </a:r>
-            <a:r>
-              <a:rPr lang="ko-KR" altLang="en-US" b="1" dirty="0"/>
-              <a:t>방향으로 움직이면서 중력의 영향을 받고</a:t>
-            </a:r>
-            <a:r>
-              <a:rPr lang="en-US" altLang="ko-KR" b="1" dirty="0"/>
+              <a:rPr lang="en-US" altLang="ko-KR" sz="1800" dirty="0">
+                <a:solidFill>
+                  <a:srgbClr val="000000"/>
+                </a:solidFill>
+                <a:highlight>
+                  <a:srgbClr val="FFFFFF"/>
+                </a:highlight>
+                <a:latin typeface="돋움체" panose="020B0609000101010101" pitchFamily="49" charset="-127"/>
+                <a:ea typeface="돋움체" panose="020B0609000101010101" pitchFamily="49" charset="-127"/>
+              </a:rPr>
+              <a:t>Instantiate</a:t>
+            </a:r>
+            <a:r>
+              <a:rPr lang="ko-KR" altLang="en-US" dirty="0">
+                <a:solidFill>
+                  <a:srgbClr val="000000"/>
+                </a:solidFill>
+                <a:highlight>
+                  <a:srgbClr val="FFFFFF"/>
+                </a:highlight>
+                <a:latin typeface="돋움체" panose="020B0609000101010101" pitchFamily="49" charset="-127"/>
+                <a:ea typeface="돋움체" panose="020B0609000101010101" pitchFamily="49" charset="-127"/>
+              </a:rPr>
+              <a:t>는 이전에 우리가 </a:t>
+            </a:r>
+            <a:r>
+              <a:rPr lang="en-US" altLang="ko-KR" dirty="0">
+                <a:solidFill>
+                  <a:srgbClr val="000000"/>
+                </a:solidFill>
+                <a:highlight>
+                  <a:srgbClr val="FFFFFF"/>
+                </a:highlight>
+                <a:latin typeface="돋움체" panose="020B0609000101010101" pitchFamily="49" charset="-127"/>
+                <a:ea typeface="돋움체" panose="020B0609000101010101" pitchFamily="49" charset="-127"/>
+              </a:rPr>
+              <a:t>Prefab</a:t>
+            </a:r>
+            <a:r>
+              <a:rPr lang="ko-KR" altLang="en-US" dirty="0">
+                <a:solidFill>
+                  <a:srgbClr val="000000"/>
+                </a:solidFill>
+                <a:highlight>
+                  <a:srgbClr val="FFFFFF"/>
+                </a:highlight>
+                <a:latin typeface="돋움체" panose="020B0609000101010101" pitchFamily="49" charset="-127"/>
+                <a:ea typeface="돋움체" panose="020B0609000101010101" pitchFamily="49" charset="-127"/>
+              </a:rPr>
+              <a:t>으로 만들었던 오브젝트</a:t>
+            </a:r>
+            <a:r>
+              <a:rPr lang="en-US" altLang="ko-KR" dirty="0">
+                <a:solidFill>
+                  <a:srgbClr val="000000"/>
+                </a:solidFill>
+                <a:highlight>
+                  <a:srgbClr val="FFFFFF"/>
+                </a:highlight>
+                <a:latin typeface="돋움체" panose="020B0609000101010101" pitchFamily="49" charset="-127"/>
+                <a:ea typeface="돋움체" panose="020B0609000101010101" pitchFamily="49" charset="-127"/>
+              </a:rPr>
+              <a:t>(enemy)</a:t>
+            </a:r>
+            <a:r>
+              <a:rPr lang="ko-KR" altLang="en-US" dirty="0">
+                <a:solidFill>
+                  <a:srgbClr val="000000"/>
+                </a:solidFill>
+                <a:highlight>
+                  <a:srgbClr val="FFFFFF"/>
+                </a:highlight>
+                <a:latin typeface="돋움체" panose="020B0609000101010101" pitchFamily="49" charset="-127"/>
+                <a:ea typeface="돋움체" panose="020B0609000101010101" pitchFamily="49" charset="-127"/>
+              </a:rPr>
+              <a:t>를 지정 벡터</a:t>
+            </a:r>
+            <a:r>
+              <a:rPr lang="en-US" altLang="ko-KR" dirty="0">
+                <a:solidFill>
+                  <a:srgbClr val="000000"/>
+                </a:solidFill>
+                <a:highlight>
+                  <a:srgbClr val="FFFFFF"/>
+                </a:highlight>
+                <a:latin typeface="돋움체" panose="020B0609000101010101" pitchFamily="49" charset="-127"/>
+                <a:ea typeface="돋움체" panose="020B0609000101010101" pitchFamily="49" charset="-127"/>
+              </a:rPr>
               <a:t>, </a:t>
             </a:r>
             <a:r>
-              <a:rPr lang="ko-KR" altLang="en-US" b="1" dirty="0"/>
-              <a:t>바닥에</a:t>
-            </a:r>
-            <a:endParaRPr lang="en-US" altLang="ko-KR" b="1" dirty="0"/>
-          </a:p>
-          <a:p>
-            <a:r>
-              <a:rPr lang="ko-KR" altLang="en-US" b="1" dirty="0"/>
-              <a:t>닿기 전에 한번만 점프할 수 있으며</a:t>
-            </a:r>
-            <a:r>
-              <a:rPr lang="en-US" altLang="ko-KR" b="1" dirty="0"/>
-              <a:t>, </a:t>
-            </a:r>
-            <a:r>
-              <a:rPr lang="ko-KR" altLang="en-US" b="1" dirty="0"/>
-              <a:t>다시 점프하려면</a:t>
-            </a:r>
-            <a:endParaRPr lang="en-US" altLang="ko-KR" b="1" dirty="0"/>
-          </a:p>
-          <a:p>
-            <a:r>
-              <a:rPr lang="ko-KR" altLang="en-US" b="1" dirty="0"/>
-              <a:t>바닥에 </a:t>
-            </a:r>
-            <a:r>
-              <a:rPr lang="ko-KR" altLang="en-US" b="1" dirty="0" err="1"/>
-              <a:t>접촉해야됨</a:t>
-            </a:r>
-            <a:r>
-              <a:rPr lang="en-US" altLang="ko-KR" b="1" dirty="0"/>
-              <a:t>. </a:t>
-            </a:r>
-            <a:r>
-              <a:rPr lang="ko-KR" altLang="en-US" b="1" dirty="0"/>
-              <a:t>또한 적을 죽이면 제거</a:t>
-            </a:r>
-            <a:r>
-              <a:rPr lang="en-US" altLang="ko-KR" b="1" dirty="0"/>
-              <a:t>(destroy)</a:t>
-            </a:r>
-          </a:p>
-          <a:p>
-            <a:r>
-              <a:rPr lang="ko-KR" altLang="en-US" b="1" dirty="0"/>
-              <a:t>되게 </a:t>
-            </a:r>
-            <a:r>
-              <a:rPr lang="ko-KR" altLang="en-US" b="1" dirty="0" err="1"/>
-              <a:t>만드시오</a:t>
-            </a:r>
-            <a:r>
-              <a:rPr lang="en-US" altLang="ko-KR" b="1"/>
-              <a:t>.</a:t>
-            </a:r>
-            <a:r>
-              <a:rPr lang="ko-KR" altLang="en-US" b="1"/>
-              <a:t> </a:t>
-            </a:r>
-            <a:endParaRPr lang="en-US" altLang="ko-KR" b="1" dirty="0"/>
+              <a:rPr lang="ko-KR" altLang="en-US" dirty="0">
+                <a:solidFill>
+                  <a:srgbClr val="000000"/>
+                </a:solidFill>
+                <a:highlight>
+                  <a:srgbClr val="FFFFFF"/>
+                </a:highlight>
+                <a:latin typeface="돋움체" panose="020B0609000101010101" pitchFamily="49" charset="-127"/>
+                <a:ea typeface="돋움체" panose="020B0609000101010101" pitchFamily="49" charset="-127"/>
+              </a:rPr>
+              <a:t>회전각</a:t>
+            </a:r>
+            <a:r>
+              <a:rPr lang="en-US" altLang="ko-KR" dirty="0">
+                <a:solidFill>
+                  <a:srgbClr val="000000"/>
+                </a:solidFill>
+                <a:highlight>
+                  <a:srgbClr val="FFFFFF"/>
+                </a:highlight>
+                <a:latin typeface="돋움체" panose="020B0609000101010101" pitchFamily="49" charset="-127"/>
+                <a:ea typeface="돋움체" panose="020B0609000101010101" pitchFamily="49" charset="-127"/>
+              </a:rPr>
+              <a:t>(</a:t>
+            </a:r>
+            <a:r>
+              <a:rPr lang="en-US" altLang="ko-KR" dirty="0">
+                <a:highlight>
+                  <a:srgbClr val="FFFFFF"/>
+                </a:highlight>
+              </a:rPr>
+              <a:t>Quaternion)</a:t>
+            </a:r>
+            <a:r>
+              <a:rPr lang="ko-KR" altLang="en-US" dirty="0">
+                <a:solidFill>
+                  <a:srgbClr val="000000"/>
+                </a:solidFill>
+                <a:highlight>
+                  <a:srgbClr val="FFFFFF"/>
+                </a:highlight>
+                <a:latin typeface="돋움체" panose="020B0609000101010101" pitchFamily="49" charset="-127"/>
+                <a:ea typeface="돋움체" panose="020B0609000101010101" pitchFamily="49" charset="-127"/>
+              </a:rPr>
+              <a:t>을 지정해서 </a:t>
+            </a:r>
+            <a:r>
+              <a:rPr lang="ko-KR" altLang="en-US" dirty="0" err="1">
+                <a:solidFill>
+                  <a:srgbClr val="000000"/>
+                </a:solidFill>
+                <a:highlight>
+                  <a:srgbClr val="FFFFFF"/>
+                </a:highlight>
+                <a:latin typeface="돋움체" panose="020B0609000101010101" pitchFamily="49" charset="-127"/>
+                <a:ea typeface="돋움체" panose="020B0609000101010101" pitchFamily="49" charset="-127"/>
+              </a:rPr>
+              <a:t>생성시켜줌</a:t>
+            </a:r>
+            <a:endParaRPr lang="ko-KR" altLang="en-US" dirty="0"/>
           </a:p>
         </p:txBody>
       </p:sp>
     </p:spTree>
     <p:extLst>
       <p:ext uri="{BB962C8B-B14F-4D97-AF65-F5344CB8AC3E}">
-        <p14:creationId xmlns:p14="http://schemas.microsoft.com/office/powerpoint/2010/main" val="220861980"/>
+        <p14:creationId xmlns:p14="http://schemas.microsoft.com/office/powerpoint/2010/main" val="2447971409"/>
+      </p:ext>
+    </p:extLst>
+  </p:cSld>
+  <p:clrMapOvr>
+    <a:masterClrMapping/>
+  </p:clrMapOvr>
+</p:sld>
+</file>
+
+<file path=ppt/slides/slide18.xml><?xml version="1.0" encoding="utf-8"?>
+<p:sld xmlns:a="http://schemas.openxmlformats.org/drawingml/2006/main" xmlns:r="http://schemas.openxmlformats.org/officeDocument/2006/relationships" xmlns:p="http://schemas.openxmlformats.org/presentationml/2006/main">
+  <p:cSld>
+    <p:spTree>
+      <p:nvGrpSpPr>
+        <p:cNvPr id="1" name=""/>
+        <p:cNvGrpSpPr/>
+        <p:nvPr/>
+      </p:nvGrpSpPr>
+      <p:grpSpPr>
+        <a:xfrm>
+          <a:off x="0" y="0"/>
+          <a:ext cx="0" cy="0"/>
+          <a:chOff x="0" y="0"/>
+          <a:chExt cx="0" cy="0"/>
+        </a:xfrm>
+      </p:grpSpPr>
+      <p:sp>
+        <p:nvSpPr>
+          <p:cNvPr id="4" name="TextBox 3">
+            <a:extLst>
+              <a:ext uri="{FF2B5EF4-FFF2-40B4-BE49-F238E27FC236}">
+                <a16:creationId xmlns:a16="http://schemas.microsoft.com/office/drawing/2014/main" id="{8B30BC6C-DEF8-965C-ACDC-6069B50DA080}"/>
+              </a:ext>
+            </a:extLst>
+          </p:cNvPr>
+          <p:cNvSpPr txBox="1"/>
+          <p:nvPr/>
+        </p:nvSpPr>
+        <p:spPr>
+          <a:xfrm>
+            <a:off x="723900" y="628650"/>
+            <a:ext cx="2371725" cy="646331"/>
+          </a:xfrm>
+          <a:prstGeom prst="rect">
+            <a:avLst/>
+          </a:prstGeom>
+          <a:noFill/>
+        </p:spPr>
+        <p:txBody>
+          <a:bodyPr wrap="square" rtlCol="0">
+            <a:spAutoFit/>
+          </a:bodyPr>
+          <a:lstStyle/>
+          <a:p>
+            <a:r>
+              <a:rPr lang="en-US" altLang="ko-KR" b="1" dirty="0"/>
+              <a:t>Prefabs</a:t>
+            </a:r>
+          </a:p>
+          <a:p>
+            <a:endParaRPr lang="ko-KR" altLang="en-US" dirty="0"/>
+          </a:p>
+        </p:txBody>
+      </p:sp>
+      <p:pic>
+        <p:nvPicPr>
+          <p:cNvPr id="6" name="그림 5">
+            <a:extLst>
+              <a:ext uri="{FF2B5EF4-FFF2-40B4-BE49-F238E27FC236}">
+                <a16:creationId xmlns:a16="http://schemas.microsoft.com/office/drawing/2014/main" id="{D0590257-5F3D-C4E7-93EF-CC38E83E3932}"/>
+              </a:ext>
+            </a:extLst>
+          </p:cNvPr>
+          <p:cNvPicPr>
+            <a:picLocks noChangeAspect="1"/>
+          </p:cNvPicPr>
+          <p:nvPr/>
+        </p:nvPicPr>
+        <p:blipFill>
+          <a:blip r:embed="rId2"/>
+          <a:stretch>
+            <a:fillRect/>
+          </a:stretch>
+        </p:blipFill>
+        <p:spPr>
+          <a:xfrm>
+            <a:off x="325755" y="531364"/>
+            <a:ext cx="3393324" cy="5675126"/>
+          </a:xfrm>
+          <a:prstGeom prst="rect">
+            <a:avLst/>
+          </a:prstGeom>
+        </p:spPr>
+      </p:pic>
+      <p:sp>
+        <p:nvSpPr>
+          <p:cNvPr id="7" name="직사각형 6">
+            <a:extLst>
+              <a:ext uri="{FF2B5EF4-FFF2-40B4-BE49-F238E27FC236}">
+                <a16:creationId xmlns:a16="http://schemas.microsoft.com/office/drawing/2014/main" id="{F0100103-290F-B9F0-B565-C2A4791277BD}"/>
+              </a:ext>
+            </a:extLst>
+          </p:cNvPr>
+          <p:cNvSpPr/>
+          <p:nvPr/>
+        </p:nvSpPr>
+        <p:spPr>
+          <a:xfrm>
+            <a:off x="778844" y="1197007"/>
+            <a:ext cx="828976" cy="175260"/>
+          </a:xfrm>
+          <a:prstGeom prst="rect">
+            <a:avLst/>
+          </a:prstGeom>
+          <a:noFill/>
+          <a:ln w="38100">
+            <a:solidFill>
+              <a:srgbClr val="C00000"/>
+            </a:solidFill>
+          </a:ln>
+        </p:spPr>
+        <p:style>
+          <a:lnRef idx="2">
+            <a:schemeClr val="accent1">
+              <a:shade val="15000"/>
+            </a:schemeClr>
+          </a:lnRef>
+          <a:fillRef idx="1">
+            <a:schemeClr val="accent1"/>
+          </a:fillRef>
+          <a:effectRef idx="0">
+            <a:schemeClr val="accent1"/>
+          </a:effectRef>
+          <a:fontRef idx="minor">
+            <a:schemeClr val="lt1"/>
+          </a:fontRef>
+        </p:style>
+        <p:txBody>
+          <a:bodyPr rtlCol="0" anchor="ctr"/>
+          <a:lstStyle/>
+          <a:p>
+            <a:pPr algn="ctr"/>
+            <a:endParaRPr lang="ko-KR" altLang="en-US"/>
+          </a:p>
+        </p:txBody>
+      </p:sp>
+      <p:sp>
+        <p:nvSpPr>
+          <p:cNvPr id="8" name="직사각형 7">
+            <a:extLst>
+              <a:ext uri="{FF2B5EF4-FFF2-40B4-BE49-F238E27FC236}">
+                <a16:creationId xmlns:a16="http://schemas.microsoft.com/office/drawing/2014/main" id="{8394190C-433D-BEA2-5D7E-0AB6ECAF352E}"/>
+              </a:ext>
+            </a:extLst>
+          </p:cNvPr>
+          <p:cNvSpPr/>
+          <p:nvPr/>
+        </p:nvSpPr>
+        <p:spPr>
+          <a:xfrm>
+            <a:off x="1685624" y="4450746"/>
+            <a:ext cx="547036" cy="479393"/>
+          </a:xfrm>
+          <a:prstGeom prst="rect">
+            <a:avLst/>
+          </a:prstGeom>
+          <a:noFill/>
+          <a:ln w="38100">
+            <a:solidFill>
+              <a:srgbClr val="C00000"/>
+            </a:solidFill>
+          </a:ln>
+        </p:spPr>
+        <p:style>
+          <a:lnRef idx="2">
+            <a:schemeClr val="accent1">
+              <a:shade val="15000"/>
+            </a:schemeClr>
+          </a:lnRef>
+          <a:fillRef idx="1">
+            <a:schemeClr val="accent1"/>
+          </a:fillRef>
+          <a:effectRef idx="0">
+            <a:schemeClr val="accent1"/>
+          </a:effectRef>
+          <a:fontRef idx="minor">
+            <a:schemeClr val="lt1"/>
+          </a:fontRef>
+        </p:style>
+        <p:txBody>
+          <a:bodyPr rtlCol="0" anchor="ctr"/>
+          <a:lstStyle/>
+          <a:p>
+            <a:pPr algn="ctr"/>
+            <a:endParaRPr lang="ko-KR" altLang="en-US"/>
+          </a:p>
+        </p:txBody>
+      </p:sp>
+      <p:cxnSp>
+        <p:nvCxnSpPr>
+          <p:cNvPr id="9" name="직선 화살표 연결선 8">
+            <a:extLst>
+              <a:ext uri="{FF2B5EF4-FFF2-40B4-BE49-F238E27FC236}">
+                <a16:creationId xmlns:a16="http://schemas.microsoft.com/office/drawing/2014/main" id="{19664696-6CCB-22AE-5C55-4C26F328255E}"/>
+              </a:ext>
+            </a:extLst>
+          </p:cNvPr>
+          <p:cNvCxnSpPr>
+            <a:cxnSpLocks/>
+            <a:stCxn id="7" idx="2"/>
+            <a:endCxn id="8" idx="0"/>
+          </p:cNvCxnSpPr>
+          <p:nvPr/>
+        </p:nvCxnSpPr>
+        <p:spPr>
+          <a:xfrm>
+            <a:off x="1193332" y="1372267"/>
+            <a:ext cx="765810" cy="3078479"/>
+          </a:xfrm>
+          <a:prstGeom prst="straightConnector1">
+            <a:avLst/>
+          </a:prstGeom>
+          <a:ln w="38100">
+            <a:solidFill>
+              <a:srgbClr val="C00000"/>
+            </a:solidFill>
+            <a:tailEnd type="triangle"/>
+          </a:ln>
+        </p:spPr>
+        <p:style>
+          <a:lnRef idx="1">
+            <a:schemeClr val="accent1"/>
+          </a:lnRef>
+          <a:fillRef idx="0">
+            <a:schemeClr val="accent1"/>
+          </a:fillRef>
+          <a:effectRef idx="0">
+            <a:schemeClr val="accent1"/>
+          </a:effectRef>
+          <a:fontRef idx="minor">
+            <a:schemeClr val="tx1"/>
+          </a:fontRef>
+        </p:style>
+      </p:cxnSp>
+      <p:sp>
+        <p:nvSpPr>
+          <p:cNvPr id="12" name="TextBox 11">
+            <a:extLst>
+              <a:ext uri="{FF2B5EF4-FFF2-40B4-BE49-F238E27FC236}">
+                <a16:creationId xmlns:a16="http://schemas.microsoft.com/office/drawing/2014/main" id="{AE44ED5D-BA7A-7B05-4A68-B51F20466B37}"/>
+              </a:ext>
+            </a:extLst>
+          </p:cNvPr>
+          <p:cNvSpPr txBox="1"/>
+          <p:nvPr/>
+        </p:nvSpPr>
+        <p:spPr>
+          <a:xfrm>
+            <a:off x="3774022" y="772102"/>
+            <a:ext cx="5347117" cy="1754326"/>
+          </a:xfrm>
+          <a:prstGeom prst="rect">
+            <a:avLst/>
+          </a:prstGeom>
+          <a:noFill/>
+        </p:spPr>
+        <p:txBody>
+          <a:bodyPr wrap="square" rtlCol="0">
+            <a:spAutoFit/>
+          </a:bodyPr>
+          <a:lstStyle/>
+          <a:p>
+            <a:r>
+              <a:rPr lang="en-US" altLang="ko-KR" dirty="0"/>
+              <a:t>Project </a:t>
+            </a:r>
+            <a:r>
+              <a:rPr lang="ko-KR" altLang="en-US" dirty="0"/>
+              <a:t>파일에 새로운 </a:t>
+            </a:r>
+            <a:r>
+              <a:rPr lang="en-US" altLang="ko-KR" dirty="0"/>
+              <a:t>Prefabs </a:t>
+            </a:r>
+            <a:r>
+              <a:rPr lang="ko-KR" altLang="en-US" dirty="0"/>
+              <a:t>파일 만들어서</a:t>
+            </a:r>
+            <a:endParaRPr lang="en-US" altLang="ko-KR" dirty="0"/>
+          </a:p>
+          <a:p>
+            <a:r>
+              <a:rPr lang="en-US" altLang="ko-KR" dirty="0"/>
+              <a:t>Hierarchy</a:t>
+            </a:r>
+            <a:r>
+              <a:rPr lang="ko-KR" altLang="en-US" dirty="0"/>
+              <a:t>에서</a:t>
+            </a:r>
+            <a:r>
+              <a:rPr lang="en-US" altLang="ko-KR" dirty="0"/>
+              <a:t> Enemy</a:t>
+            </a:r>
+            <a:r>
+              <a:rPr lang="ko-KR" altLang="en-US" dirty="0"/>
+              <a:t>를 파일로 </a:t>
+            </a:r>
+            <a:r>
+              <a:rPr lang="ko-KR" altLang="en-US" dirty="0" err="1"/>
+              <a:t>드레그</a:t>
+            </a:r>
+            <a:r>
+              <a:rPr lang="ko-KR" altLang="en-US" dirty="0"/>
+              <a:t> 앤 </a:t>
+            </a:r>
+            <a:r>
+              <a:rPr lang="ko-KR" altLang="en-US" dirty="0" err="1"/>
+              <a:t>드롭하면</a:t>
+            </a:r>
+            <a:r>
+              <a:rPr lang="ko-KR" altLang="en-US" dirty="0"/>
+              <a:t> 글씨가 파란색으로 변하면서 </a:t>
+            </a:r>
+            <a:r>
+              <a:rPr lang="en-US" altLang="ko-KR" dirty="0"/>
+              <a:t>Prefab </a:t>
+            </a:r>
+            <a:r>
+              <a:rPr lang="ko-KR" altLang="en-US" dirty="0"/>
+              <a:t>상태가 된다</a:t>
+            </a:r>
+            <a:endParaRPr lang="en-US" altLang="ko-KR" dirty="0"/>
+          </a:p>
+          <a:p>
+            <a:endParaRPr lang="en-US" altLang="ko-KR" dirty="0"/>
+          </a:p>
+          <a:p>
+            <a:endParaRPr lang="en-US" altLang="ko-KR" dirty="0"/>
+          </a:p>
+          <a:p>
+            <a:r>
+              <a:rPr lang="en-US" altLang="ko-KR" b="1" dirty="0"/>
+              <a:t>Prefab </a:t>
+            </a:r>
+            <a:r>
+              <a:rPr lang="en-US" altLang="ko-KR" dirty="0"/>
+              <a:t>: </a:t>
+            </a:r>
+            <a:r>
+              <a:rPr lang="ko-KR" altLang="en-US" dirty="0"/>
+              <a:t>재사용이 가능하게 만든 템플릿</a:t>
+            </a:r>
+          </a:p>
+        </p:txBody>
+      </p:sp>
+    </p:spTree>
+    <p:extLst>
+      <p:ext uri="{BB962C8B-B14F-4D97-AF65-F5344CB8AC3E}">
+        <p14:creationId xmlns:p14="http://schemas.microsoft.com/office/powerpoint/2010/main" val="3634734503"/>
+      </p:ext>
+    </p:extLst>
+  </p:cSld>
+  <p:clrMapOvr>
+    <a:masterClrMapping/>
+  </p:clrMapOvr>
+</p:sld>
+</file>
+
+<file path=ppt/slides/slide19.xml><?xml version="1.0" encoding="utf-8"?>
+<p:sld xmlns:a="http://schemas.openxmlformats.org/drawingml/2006/main" xmlns:r="http://schemas.openxmlformats.org/officeDocument/2006/relationships" xmlns:p="http://schemas.openxmlformats.org/presentationml/2006/main">
+  <p:cSld>
+    <p:spTree>
+      <p:nvGrpSpPr>
+        <p:cNvPr id="1" name=""/>
+        <p:cNvGrpSpPr/>
+        <p:nvPr/>
+      </p:nvGrpSpPr>
+      <p:grpSpPr>
+        <a:xfrm>
+          <a:off x="0" y="0"/>
+          <a:ext cx="0" cy="0"/>
+          <a:chOff x="0" y="0"/>
+          <a:chExt cx="0" cy="0"/>
+        </a:xfrm>
+      </p:grpSpPr>
+      <p:sp>
+        <p:nvSpPr>
+          <p:cNvPr id="4" name="TextBox 3">
+            <a:extLst>
+              <a:ext uri="{FF2B5EF4-FFF2-40B4-BE49-F238E27FC236}">
+                <a16:creationId xmlns:a16="http://schemas.microsoft.com/office/drawing/2014/main" id="{F5B31EB2-990C-D8D0-899E-4CF7D9685095}"/>
+              </a:ext>
+            </a:extLst>
+          </p:cNvPr>
+          <p:cNvSpPr txBox="1"/>
+          <p:nvPr/>
+        </p:nvSpPr>
+        <p:spPr>
+          <a:xfrm>
+            <a:off x="729672" y="627951"/>
+            <a:ext cx="1717964" cy="369332"/>
+          </a:xfrm>
+          <a:prstGeom prst="rect">
+            <a:avLst/>
+          </a:prstGeom>
+          <a:noFill/>
+        </p:spPr>
+        <p:txBody>
+          <a:bodyPr wrap="square" rtlCol="0">
+            <a:spAutoFit/>
+          </a:bodyPr>
+          <a:lstStyle/>
+          <a:p>
+            <a:r>
+              <a:rPr lang="ko-KR" altLang="en-US" b="1" dirty="0"/>
+              <a:t>실습 </a:t>
+            </a:r>
+            <a:r>
+              <a:rPr lang="en-US" altLang="ko-KR" b="1" dirty="0"/>
+              <a:t>1</a:t>
+            </a:r>
+            <a:endParaRPr lang="ko-KR" altLang="en-US" b="1" dirty="0"/>
+          </a:p>
+        </p:txBody>
+      </p:sp>
+      <p:pic>
+        <p:nvPicPr>
+          <p:cNvPr id="6" name="그림 5">
+            <a:extLst>
+              <a:ext uri="{FF2B5EF4-FFF2-40B4-BE49-F238E27FC236}">
+                <a16:creationId xmlns:a16="http://schemas.microsoft.com/office/drawing/2014/main" id="{D3F613D3-E4CC-B411-4BCB-0943C926EA76}"/>
+              </a:ext>
+            </a:extLst>
+          </p:cNvPr>
+          <p:cNvPicPr>
+            <a:picLocks noChangeAspect="1"/>
+          </p:cNvPicPr>
+          <p:nvPr/>
+        </p:nvPicPr>
+        <p:blipFill>
+          <a:blip r:embed="rId2"/>
+          <a:stretch>
+            <a:fillRect/>
+          </a:stretch>
+        </p:blipFill>
+        <p:spPr>
+          <a:xfrm>
+            <a:off x="189775" y="1151017"/>
+            <a:ext cx="6442032" cy="5148235"/>
+          </a:xfrm>
+          <a:prstGeom prst="rect">
+            <a:avLst/>
+          </a:prstGeom>
+        </p:spPr>
+      </p:pic>
+      <p:sp>
+        <p:nvSpPr>
+          <p:cNvPr id="7" name="TextBox 6">
+            <a:extLst>
+              <a:ext uri="{FF2B5EF4-FFF2-40B4-BE49-F238E27FC236}">
+                <a16:creationId xmlns:a16="http://schemas.microsoft.com/office/drawing/2014/main" id="{DD551507-4550-DCE0-9056-666C9E3AFAD0}"/>
+              </a:ext>
+            </a:extLst>
+          </p:cNvPr>
+          <p:cNvSpPr txBox="1"/>
+          <p:nvPr/>
+        </p:nvSpPr>
+        <p:spPr>
+          <a:xfrm>
+            <a:off x="6756935" y="1151017"/>
+            <a:ext cx="5120640" cy="923330"/>
+          </a:xfrm>
+          <a:prstGeom prst="rect">
+            <a:avLst/>
+          </a:prstGeom>
+          <a:noFill/>
+        </p:spPr>
+        <p:txBody>
+          <a:bodyPr wrap="square" rtlCol="0">
+            <a:spAutoFit/>
+          </a:bodyPr>
+          <a:lstStyle/>
+          <a:p>
+            <a:r>
+              <a:rPr lang="en-US" altLang="ko-KR" b="1" dirty="0"/>
+              <a:t>4</a:t>
+            </a:r>
+            <a:r>
+              <a:rPr lang="ko-KR" altLang="en-US" b="1" dirty="0"/>
+              <a:t>방향으로 움직이면서 중력의 영향을 받지 않고</a:t>
+            </a:r>
+            <a:r>
+              <a:rPr lang="en-US" altLang="ko-KR" b="1" dirty="0"/>
+              <a:t>,</a:t>
+            </a:r>
+          </a:p>
+          <a:p>
+            <a:r>
+              <a:rPr lang="ko-KR" altLang="en-US" b="1" dirty="0"/>
+              <a:t>벽에 박으면 </a:t>
+            </a:r>
+            <a:r>
+              <a:rPr lang="en-US" altLang="ko-KR" b="1" dirty="0"/>
+              <a:t>“</a:t>
+            </a:r>
+            <a:r>
+              <a:rPr lang="ko-KR" altLang="en-US" b="1" dirty="0"/>
+              <a:t>벽 충돌</a:t>
+            </a:r>
+            <a:r>
+              <a:rPr lang="en-US" altLang="ko-KR" b="1" dirty="0"/>
+              <a:t>!!!!“</a:t>
+            </a:r>
+            <a:r>
+              <a:rPr lang="ko-KR" altLang="en-US" b="1" dirty="0"/>
+              <a:t>이라는 문구가 뜨도록 단</a:t>
+            </a:r>
+            <a:r>
+              <a:rPr lang="en-US" altLang="ko-KR" b="1" dirty="0"/>
+              <a:t>,</a:t>
+            </a:r>
+          </a:p>
+          <a:p>
+            <a:r>
+              <a:rPr lang="ko-KR" altLang="en-US" b="1" dirty="0"/>
+              <a:t>다른 오브젝트에 박으면 안 뜸</a:t>
+            </a:r>
+            <a:r>
+              <a:rPr lang="en-US" altLang="ko-KR" b="1" dirty="0"/>
+              <a:t>(Tag</a:t>
+            </a:r>
+            <a:r>
+              <a:rPr lang="ko-KR" altLang="en-US" b="1" dirty="0"/>
+              <a:t>를 이용</a:t>
+            </a:r>
+            <a:r>
+              <a:rPr lang="en-US" altLang="ko-KR" b="1" dirty="0"/>
+              <a:t>)</a:t>
+            </a:r>
+            <a:r>
+              <a:rPr lang="ko-KR" altLang="en-US" b="1" dirty="0"/>
+              <a:t> </a:t>
+            </a:r>
+          </a:p>
+        </p:txBody>
+      </p:sp>
+    </p:spTree>
+    <p:extLst>
+      <p:ext uri="{BB962C8B-B14F-4D97-AF65-F5344CB8AC3E}">
+        <p14:creationId xmlns:p14="http://schemas.microsoft.com/office/powerpoint/2010/main" val="2534183585"/>
       </p:ext>
     </p:extLst>
   </p:cSld>
@@ -8085,6 +9237,313 @@
     <p:extLst>
       <p:ext uri="{BB962C8B-B14F-4D97-AF65-F5344CB8AC3E}">
         <p14:creationId xmlns:p14="http://schemas.microsoft.com/office/powerpoint/2010/main" val="3712577440"/>
+      </p:ext>
+    </p:extLst>
+  </p:cSld>
+  <p:clrMapOvr>
+    <a:masterClrMapping/>
+  </p:clrMapOvr>
+</p:sld>
+</file>
+
+<file path=ppt/slides/slide20.xml><?xml version="1.0" encoding="utf-8"?>
+<p:sld xmlns:a="http://schemas.openxmlformats.org/drawingml/2006/main" xmlns:r="http://schemas.openxmlformats.org/officeDocument/2006/relationships" xmlns:p="http://schemas.openxmlformats.org/presentationml/2006/main">
+  <p:cSld>
+    <p:spTree>
+      <p:nvGrpSpPr>
+        <p:cNvPr id="1" name=""/>
+        <p:cNvGrpSpPr/>
+        <p:nvPr/>
+      </p:nvGrpSpPr>
+      <p:grpSpPr>
+        <a:xfrm>
+          <a:off x="0" y="0"/>
+          <a:ext cx="0" cy="0"/>
+          <a:chOff x="0" y="0"/>
+          <a:chExt cx="0" cy="0"/>
+        </a:xfrm>
+      </p:grpSpPr>
+      <p:sp>
+        <p:nvSpPr>
+          <p:cNvPr id="4" name="TextBox 3">
+            <a:extLst>
+              <a:ext uri="{FF2B5EF4-FFF2-40B4-BE49-F238E27FC236}">
+                <a16:creationId xmlns:a16="http://schemas.microsoft.com/office/drawing/2014/main" id="{567F032C-3C6C-E9B3-ACE7-2EA1BB1209C5}"/>
+              </a:ext>
+            </a:extLst>
+          </p:cNvPr>
+          <p:cNvSpPr txBox="1"/>
+          <p:nvPr/>
+        </p:nvSpPr>
+        <p:spPr>
+          <a:xfrm>
+            <a:off x="741145" y="686965"/>
+            <a:ext cx="2271562" cy="369332"/>
+          </a:xfrm>
+          <a:prstGeom prst="rect">
+            <a:avLst/>
+          </a:prstGeom>
+          <a:noFill/>
+        </p:spPr>
+        <p:txBody>
+          <a:bodyPr wrap="square" rtlCol="0">
+            <a:spAutoFit/>
+          </a:bodyPr>
+          <a:lstStyle/>
+          <a:p>
+            <a:r>
+              <a:rPr lang="ko-KR" altLang="en-US" b="1" dirty="0"/>
+              <a:t>실습 </a:t>
+            </a:r>
+            <a:r>
+              <a:rPr lang="en-US" altLang="ko-KR" b="1" dirty="0"/>
+              <a:t>2</a:t>
+            </a:r>
+            <a:endParaRPr lang="ko-KR" altLang="en-US" b="1" dirty="0"/>
+          </a:p>
+        </p:txBody>
+      </p:sp>
+      <p:pic>
+        <p:nvPicPr>
+          <p:cNvPr id="6" name="그림 5">
+            <a:extLst>
+              <a:ext uri="{FF2B5EF4-FFF2-40B4-BE49-F238E27FC236}">
+                <a16:creationId xmlns:a16="http://schemas.microsoft.com/office/drawing/2014/main" id="{B399BD7C-DDC1-3DEA-693D-86E6BE4C42FD}"/>
+              </a:ext>
+            </a:extLst>
+          </p:cNvPr>
+          <p:cNvPicPr>
+            <a:picLocks noChangeAspect="1"/>
+          </p:cNvPicPr>
+          <p:nvPr/>
+        </p:nvPicPr>
+        <p:blipFill>
+          <a:blip r:embed="rId2"/>
+          <a:stretch>
+            <a:fillRect/>
+          </a:stretch>
+        </p:blipFill>
+        <p:spPr>
+          <a:xfrm>
+            <a:off x="207931" y="1296379"/>
+            <a:ext cx="6597130" cy="5369116"/>
+          </a:xfrm>
+          <a:prstGeom prst="rect">
+            <a:avLst/>
+          </a:prstGeom>
+        </p:spPr>
+      </p:pic>
+      <p:sp>
+        <p:nvSpPr>
+          <p:cNvPr id="8" name="TextBox 7">
+            <a:extLst>
+              <a:ext uri="{FF2B5EF4-FFF2-40B4-BE49-F238E27FC236}">
+                <a16:creationId xmlns:a16="http://schemas.microsoft.com/office/drawing/2014/main" id="{43232636-AF47-9983-B2C2-994C31E29803}"/>
+              </a:ext>
+            </a:extLst>
+          </p:cNvPr>
+          <p:cNvSpPr txBox="1"/>
+          <p:nvPr/>
+        </p:nvSpPr>
+        <p:spPr>
+          <a:xfrm>
+            <a:off x="6805061" y="1296379"/>
+            <a:ext cx="6097604" cy="2308324"/>
+          </a:xfrm>
+          <a:prstGeom prst="rect">
+            <a:avLst/>
+          </a:prstGeom>
+          <a:noFill/>
+        </p:spPr>
+        <p:txBody>
+          <a:bodyPr wrap="square">
+            <a:spAutoFit/>
+          </a:bodyPr>
+          <a:lstStyle/>
+          <a:p>
+            <a:r>
+              <a:rPr lang="en-US" altLang="ko-KR" b="1" dirty="0"/>
+              <a:t>4</a:t>
+            </a:r>
+            <a:r>
+              <a:rPr lang="ko-KR" altLang="en-US" b="1" dirty="0"/>
+              <a:t>방향으로 움직이면서 중력의 영향을 받고</a:t>
+            </a:r>
+            <a:r>
+              <a:rPr lang="en-US" altLang="ko-KR" b="1" dirty="0"/>
+              <a:t>, </a:t>
+            </a:r>
+            <a:r>
+              <a:rPr lang="ko-KR" altLang="en-US" b="1" dirty="0"/>
+              <a:t>바닥에</a:t>
+            </a:r>
+            <a:endParaRPr lang="en-US" altLang="ko-KR" b="1" dirty="0"/>
+          </a:p>
+          <a:p>
+            <a:r>
+              <a:rPr lang="ko-KR" altLang="en-US" b="1" dirty="0"/>
+              <a:t>닿기 전에 한번만 점프할 수 있으며</a:t>
+            </a:r>
+            <a:r>
+              <a:rPr lang="en-US" altLang="ko-KR" b="1" dirty="0"/>
+              <a:t>, </a:t>
+            </a:r>
+            <a:r>
+              <a:rPr lang="ko-KR" altLang="en-US" b="1" dirty="0"/>
+              <a:t>다시 점프하려면</a:t>
+            </a:r>
+            <a:endParaRPr lang="en-US" altLang="ko-KR" b="1" dirty="0"/>
+          </a:p>
+          <a:p>
+            <a:r>
+              <a:rPr lang="ko-KR" altLang="en-US" b="1" dirty="0"/>
+              <a:t>바닥에 </a:t>
+            </a:r>
+            <a:r>
+              <a:rPr lang="ko-KR" altLang="en-US" b="1" dirty="0" err="1"/>
+              <a:t>접촉해야됨</a:t>
+            </a:r>
+            <a:r>
+              <a:rPr lang="en-US" altLang="ko-KR" b="1" dirty="0"/>
+              <a:t>. </a:t>
+            </a:r>
+            <a:r>
+              <a:rPr lang="ko-KR" altLang="en-US" b="1" dirty="0"/>
+              <a:t>또한 스페이스바를 누를 시 </a:t>
+            </a:r>
+            <a:endParaRPr lang="en-US" altLang="ko-KR" b="1" dirty="0"/>
+          </a:p>
+          <a:p>
+            <a:r>
+              <a:rPr lang="ko-KR" altLang="en-US" b="1" dirty="0"/>
+              <a:t>앞으로 </a:t>
+            </a:r>
+            <a:r>
+              <a:rPr lang="ko-KR" altLang="en-US" b="1" dirty="0" err="1"/>
+              <a:t>대쉬가</a:t>
+            </a:r>
+            <a:r>
+              <a:rPr lang="ko-KR" altLang="en-US" b="1" dirty="0"/>
+              <a:t> 되며 </a:t>
+            </a:r>
+            <a:r>
+              <a:rPr lang="ko-KR" altLang="en-US" b="1" dirty="0" err="1"/>
+              <a:t>쿨타임이</a:t>
+            </a:r>
+            <a:r>
+              <a:rPr lang="ko-KR" altLang="en-US" b="1" dirty="0"/>
+              <a:t> </a:t>
+            </a:r>
+            <a:r>
+              <a:rPr lang="en-US" altLang="ko-KR" b="1" dirty="0"/>
+              <a:t>3</a:t>
+            </a:r>
+            <a:r>
+              <a:rPr lang="ko-KR" altLang="en-US" b="1" dirty="0"/>
+              <a:t>초</a:t>
+            </a:r>
+            <a:r>
+              <a:rPr lang="en-US" altLang="ko-KR" b="1" dirty="0"/>
+              <a:t>, </a:t>
+            </a:r>
+            <a:r>
+              <a:rPr lang="ko-KR" altLang="en-US" b="1" dirty="0"/>
+              <a:t>그리고 </a:t>
+            </a:r>
+            <a:r>
+              <a:rPr lang="en-US" altLang="ko-KR" b="1" dirty="0"/>
+              <a:t>2</a:t>
+            </a:r>
+            <a:r>
+              <a:rPr lang="ko-KR" altLang="en-US" b="1" dirty="0"/>
+              <a:t>초가 </a:t>
+            </a:r>
+            <a:endParaRPr lang="en-US" altLang="ko-KR" b="1" dirty="0"/>
+          </a:p>
+          <a:p>
+            <a:r>
+              <a:rPr lang="ko-KR" altLang="en-US" b="1" dirty="0"/>
+              <a:t>지나면 위에서 </a:t>
+            </a:r>
+            <a:r>
+              <a:rPr lang="en-US" altLang="ko-KR" b="1" dirty="0"/>
+              <a:t>Enemy</a:t>
+            </a:r>
+            <a:r>
+              <a:rPr lang="ko-KR" altLang="en-US" b="1" dirty="0"/>
+              <a:t>가 </a:t>
+            </a:r>
+            <a:r>
+              <a:rPr lang="en-US" altLang="ko-KR" b="1" dirty="0"/>
+              <a:t>5</a:t>
+            </a:r>
+            <a:r>
+              <a:rPr lang="ko-KR" altLang="en-US" b="1" dirty="0"/>
+              <a:t>초마다 소환된다</a:t>
+            </a:r>
+            <a:r>
+              <a:rPr lang="en-US" altLang="ko-KR" b="1" dirty="0"/>
+              <a:t>.</a:t>
+            </a:r>
+          </a:p>
+          <a:p>
+            <a:r>
+              <a:rPr lang="ko-KR" altLang="en-US" b="1" dirty="0"/>
+              <a:t>몬스터는 플레이어한테 닿으면 사라지고</a:t>
+            </a:r>
+            <a:r>
+              <a:rPr lang="en-US" altLang="ko-KR" b="1" dirty="0"/>
+              <a:t>,</a:t>
+            </a:r>
+          </a:p>
+          <a:p>
+            <a:r>
+              <a:rPr lang="en-US" altLang="ko-KR" b="1" dirty="0"/>
+              <a:t>“</a:t>
+            </a:r>
+            <a:r>
+              <a:rPr lang="ko-KR" altLang="en-US" b="1" dirty="0"/>
+              <a:t>적 제거</a:t>
+            </a:r>
+            <a:r>
+              <a:rPr lang="en-US" altLang="ko-KR" b="1" dirty="0"/>
+              <a:t>!!”</a:t>
+            </a:r>
+            <a:r>
+              <a:rPr lang="ko-KR" altLang="en-US" b="1" dirty="0"/>
+              <a:t>라는</a:t>
+            </a:r>
+            <a:r>
+              <a:rPr lang="en-US" altLang="ko-KR" b="1" dirty="0"/>
+              <a:t> </a:t>
+            </a:r>
+            <a:r>
+              <a:rPr lang="ko-KR" altLang="en-US" b="1" dirty="0"/>
+              <a:t>문구를 </a:t>
+            </a:r>
+            <a:r>
+              <a:rPr lang="en-US" altLang="ko-KR" b="1" dirty="0" err="1"/>
+              <a:t>Debug.Log</a:t>
+            </a:r>
+            <a:r>
+              <a:rPr lang="ko-KR" altLang="en-US" b="1" dirty="0"/>
+              <a:t>를 이용하여</a:t>
+            </a:r>
+            <a:endParaRPr lang="en-US" altLang="ko-KR" b="1" dirty="0"/>
+          </a:p>
+          <a:p>
+            <a:r>
+              <a:rPr lang="ko-KR" altLang="en-US" b="1"/>
+              <a:t>나오게 하기</a:t>
+            </a:r>
+            <a:endParaRPr lang="en-US" altLang="ko-KR" b="1" dirty="0"/>
+          </a:p>
+        </p:txBody>
+      </p:sp>
+    </p:spTree>
+    <p:extLst>
+      <p:ext uri="{BB962C8B-B14F-4D97-AF65-F5344CB8AC3E}">
+        <p14:creationId xmlns:p14="http://schemas.microsoft.com/office/powerpoint/2010/main" val="220861980"/>
       </p:ext>
     </p:extLst>
   </p:cSld>
